--- a/trunk/Docs/alazar_thesis/presentation.pptx
+++ b/trunk/Docs/alazar_thesis/presentation.pptx
@@ -205,7 +205,7 @@
             <a:fld id="{D5F21F59-A2F3-40A5-BC70-CC5334A638ED}" type="datetimeFigureOut">
               <a:rPr lang="ru-RU" smtClean="0"/>
               <a:pPr/>
-              <a:t>29.05.2012</a:t>
+              <a:t>30.05.2012</a:t>
             </a:fld>
             <a:endParaRPr lang="ru-RU"/>
           </a:p>
@@ -1179,7 +1179,7 @@
             <a:fld id="{E2B41AE0-3280-4107-AAF9-23CCED5B6FE9}" type="datetime1">
               <a:rPr lang="ru-RU" smtClean="0"/>
               <a:pPr/>
-              <a:t>29.05.2012</a:t>
+              <a:t>30.05.2012</a:t>
             </a:fld>
             <a:endParaRPr lang="ru-RU"/>
           </a:p>
@@ -1377,7 +1377,7 @@
             <a:fld id="{CCCAC9CA-0366-4239-9AE2-8D59776CA729}" type="datetime1">
               <a:rPr lang="ru-RU" smtClean="0"/>
               <a:pPr/>
-              <a:t>29.05.2012</a:t>
+              <a:t>30.05.2012</a:t>
             </a:fld>
             <a:endParaRPr lang="ru-RU"/>
           </a:p>
@@ -1564,7 +1564,7 @@
             <a:fld id="{F7958F22-B389-4E3E-A84A-528307C4FDAC}" type="datetime1">
               <a:rPr lang="ru-RU" smtClean="0"/>
               <a:pPr/>
-              <a:t>29.05.2012</a:t>
+              <a:t>30.05.2012</a:t>
             </a:fld>
             <a:endParaRPr lang="ru-RU"/>
           </a:p>
@@ -1716,7 +1716,7 @@
             <a:fld id="{D58B9A2A-4767-4501-9E7A-4E4CB04CF059}" type="datetime1">
               <a:rPr lang="ru-RU" smtClean="0"/>
               <a:pPr/>
-              <a:t>29.05.2012</a:t>
+              <a:t>30.05.2012</a:t>
             </a:fld>
             <a:endParaRPr lang="ru-RU"/>
           </a:p>
@@ -1968,7 +1968,7 @@
             <a:fld id="{775B9AB2-84D9-4CC2-9EC0-A59D029FBE3E}" type="datetime1">
               <a:rPr lang="ru-RU" smtClean="0"/>
               <a:pPr/>
-              <a:t>29.05.2012</a:t>
+              <a:t>30.05.2012</a:t>
             </a:fld>
             <a:endParaRPr lang="ru-RU"/>
           </a:p>
@@ -2374,7 +2374,7 @@
             <a:fld id="{96598D1C-CF83-4A57-B5FA-160DA451E48F}" type="datetime1">
               <a:rPr lang="ru-RU" smtClean="0"/>
               <a:pPr/>
-              <a:t>29.05.2012</a:t>
+              <a:t>30.05.2012</a:t>
             </a:fld>
             <a:endParaRPr lang="ru-RU"/>
           </a:p>
@@ -2817,7 +2817,7 @@
             <a:fld id="{24FB2AA9-5C18-4C60-A838-A24BE9549475}" type="datetime1">
               <a:rPr lang="ru-RU" smtClean="0"/>
               <a:pPr/>
-              <a:t>29.05.2012</a:t>
+              <a:t>30.05.2012</a:t>
             </a:fld>
             <a:endParaRPr lang="ru-RU"/>
           </a:p>
@@ -2915,7 +2915,7 @@
             <a:fld id="{B67074EE-FDF4-4D72-A4BF-58B3BC26637B}" type="datetime1">
               <a:rPr lang="ru-RU" smtClean="0"/>
               <a:pPr/>
-              <a:t>29.05.2012</a:t>
+              <a:t>30.05.2012</a:t>
             </a:fld>
             <a:endParaRPr lang="ru-RU"/>
           </a:p>
@@ -3038,7 +3038,7 @@
             <a:fld id="{97E96698-1C36-4A1A-B25F-A551C7360DBE}" type="datetime1">
               <a:rPr lang="ru-RU" smtClean="0"/>
               <a:pPr/>
-              <a:t>29.05.2012</a:t>
+              <a:t>30.05.2012</a:t>
             </a:fld>
             <a:endParaRPr lang="ru-RU"/>
           </a:p>
@@ -3309,7 +3309,7 @@
             <a:fld id="{85AB3C28-C807-466B-82BB-4EBE6B4083B6}" type="datetime1">
               <a:rPr lang="ru-RU" smtClean="0"/>
               <a:pPr/>
-              <a:t>29.05.2012</a:t>
+              <a:t>30.05.2012</a:t>
             </a:fld>
             <a:endParaRPr lang="ru-RU"/>
           </a:p>
@@ -3511,7 +3511,7 @@
             <a:fld id="{22A2C5FB-1910-420D-990B-35B474D83D19}" type="datetime1">
               <a:rPr lang="ru-RU" smtClean="0"/>
               <a:pPr/>
-              <a:t>29.05.2012</a:t>
+              <a:t>30.05.2012</a:t>
             </a:fld>
             <a:endParaRPr lang="ru-RU"/>
           </a:p>
@@ -4622,7 +4622,7 @@
             <a:fld id="{AAE38AD9-EAA4-4E7E-B4CD-EC1C807156F4}" type="datetime1">
               <a:rPr lang="ru-RU" smtClean="0"/>
               <a:pPr/>
-              <a:t>29.05.2012</a:t>
+              <a:t>30.05.2012</a:t>
             </a:fld>
             <a:endParaRPr lang="ru-RU"/>
           </a:p>
@@ -5067,7 +5067,23 @@
           <a:p>
             <a:r>
               <a:rPr lang="ru-RU" sz="3600" cap="none" dirty="0" smtClean="0"/>
-              <a:t>Виртуальный полигон для исследования динамики </a:t>
+              <a:t>Виртуальный полигон для </a:t>
+            </a:r>
+            <a:r>
+              <a:rPr lang="ru-RU" sz="3600" cap="none" dirty="0" smtClean="0"/>
+              <a:t>исследовани</a:t>
+            </a:r>
+            <a:r>
+              <a:rPr lang="ru-RU" sz="3600" dirty="0" smtClean="0"/>
+              <a:t>й</a:t>
+            </a:r>
+            <a:r>
+              <a:rPr lang="ru-RU" sz="3600" cap="none" dirty="0" smtClean="0"/>
+              <a:t> </a:t>
+            </a:r>
+            <a:r>
+              <a:rPr lang="ru-RU" sz="3600" cap="none" dirty="0" smtClean="0"/>
+              <a:t>динамики </a:t>
             </a:r>
             <a:r>
               <a:rPr lang="ru-RU" sz="3600" cap="none" dirty="0" err="1" smtClean="0"/>
@@ -7538,7 +7554,7 @@
     </p:spTree>
     <p:extLst>
       <p:ext uri="{BB962C8B-B14F-4D97-AF65-F5344CB8AC3E}">
-        <p14:creationId xmlns:p14="http://schemas.microsoft.com/office/powerpoint/2010/main" xmlns="" val="1550165570"/>
+        <p14:creationId xmlns="" xmlns:p14="http://schemas.microsoft.com/office/powerpoint/2010/main" val="1550165570"/>
       </p:ext>
     </p:extLst>
   </p:cSld>
@@ -7860,7 +7876,7 @@
     </p:spTree>
     <p:extLst>
       <p:ext uri="{BB962C8B-B14F-4D97-AF65-F5344CB8AC3E}">
-        <p14:creationId xmlns:p14="http://schemas.microsoft.com/office/powerpoint/2010/main" xmlns="" val="3609528446"/>
+        <p14:creationId xmlns="" xmlns:p14="http://schemas.microsoft.com/office/powerpoint/2010/main" val="3609528446"/>
       </p:ext>
     </p:extLst>
   </p:cSld>

--- a/trunk/Docs/alazar_thesis/presentation.pptx
+++ b/trunk/Docs/alazar_thesis/presentation.pptx
@@ -205,7 +205,7 @@
             <a:fld id="{D5F21F59-A2F3-40A5-BC70-CC5334A638ED}" type="datetimeFigureOut">
               <a:rPr lang="ru-RU" smtClean="0"/>
               <a:pPr/>
-              <a:t>30.05.2012</a:t>
+              <a:t>31.05.2012</a:t>
             </a:fld>
             <a:endParaRPr lang="ru-RU"/>
           </a:p>
@@ -374,6 +374,11 @@
         </p:txBody>
       </p:sp>
     </p:spTree>
+    <p:extLst>
+      <p:ext uri="{BB962C8B-B14F-4D97-AF65-F5344CB8AC3E}">
+        <p14:creationId xmlns:p14="http://schemas.microsoft.com/office/powerpoint/2010/main" val="2705718248"/>
+      </p:ext>
+    </p:extLst>
   </p:cSld>
   <p:clrMap bg1="lt1" tx1="dk1" bg2="lt2" tx2="dk2" accent1="accent1" accent2="accent2" accent3="accent3" accent4="accent4" accent5="accent5" accent6="accent6" hlink="hlink" folHlink="folHlink"/>
   <p:notesStyle>
@@ -1179,7 +1184,7 @@
             <a:fld id="{E2B41AE0-3280-4107-AAF9-23CCED5B6FE9}" type="datetime1">
               <a:rPr lang="ru-RU" smtClean="0"/>
               <a:pPr/>
-              <a:t>30.05.2012</a:t>
+              <a:t>31.05.2012</a:t>
             </a:fld>
             <a:endParaRPr lang="ru-RU"/>
           </a:p>
@@ -1377,7 +1382,7 @@
             <a:fld id="{CCCAC9CA-0366-4239-9AE2-8D59776CA729}" type="datetime1">
               <a:rPr lang="ru-RU" smtClean="0"/>
               <a:pPr/>
-              <a:t>30.05.2012</a:t>
+              <a:t>31.05.2012</a:t>
             </a:fld>
             <a:endParaRPr lang="ru-RU"/>
           </a:p>
@@ -1564,7 +1569,7 @@
             <a:fld id="{F7958F22-B389-4E3E-A84A-528307C4FDAC}" type="datetime1">
               <a:rPr lang="ru-RU" smtClean="0"/>
               <a:pPr/>
-              <a:t>30.05.2012</a:t>
+              <a:t>31.05.2012</a:t>
             </a:fld>
             <a:endParaRPr lang="ru-RU"/>
           </a:p>
@@ -1716,7 +1721,7 @@
             <a:fld id="{D58B9A2A-4767-4501-9E7A-4E4CB04CF059}" type="datetime1">
               <a:rPr lang="ru-RU" smtClean="0"/>
               <a:pPr/>
-              <a:t>30.05.2012</a:t>
+              <a:t>31.05.2012</a:t>
             </a:fld>
             <a:endParaRPr lang="ru-RU"/>
           </a:p>
@@ -1968,7 +1973,7 @@
             <a:fld id="{775B9AB2-84D9-4CC2-9EC0-A59D029FBE3E}" type="datetime1">
               <a:rPr lang="ru-RU" smtClean="0"/>
               <a:pPr/>
-              <a:t>30.05.2012</a:t>
+              <a:t>31.05.2012</a:t>
             </a:fld>
             <a:endParaRPr lang="ru-RU"/>
           </a:p>
@@ -2374,7 +2379,7 @@
             <a:fld id="{96598D1C-CF83-4A57-B5FA-160DA451E48F}" type="datetime1">
               <a:rPr lang="ru-RU" smtClean="0"/>
               <a:pPr/>
-              <a:t>30.05.2012</a:t>
+              <a:t>31.05.2012</a:t>
             </a:fld>
             <a:endParaRPr lang="ru-RU"/>
           </a:p>
@@ -2817,7 +2822,7 @@
             <a:fld id="{24FB2AA9-5C18-4C60-A838-A24BE9549475}" type="datetime1">
               <a:rPr lang="ru-RU" smtClean="0"/>
               <a:pPr/>
-              <a:t>30.05.2012</a:t>
+              <a:t>31.05.2012</a:t>
             </a:fld>
             <a:endParaRPr lang="ru-RU"/>
           </a:p>
@@ -2915,7 +2920,7 @@
             <a:fld id="{B67074EE-FDF4-4D72-A4BF-58B3BC26637B}" type="datetime1">
               <a:rPr lang="ru-RU" smtClean="0"/>
               <a:pPr/>
-              <a:t>30.05.2012</a:t>
+              <a:t>31.05.2012</a:t>
             </a:fld>
             <a:endParaRPr lang="ru-RU"/>
           </a:p>
@@ -3038,7 +3043,7 @@
             <a:fld id="{97E96698-1C36-4A1A-B25F-A551C7360DBE}" type="datetime1">
               <a:rPr lang="ru-RU" smtClean="0"/>
               <a:pPr/>
-              <a:t>30.05.2012</a:t>
+              <a:t>31.05.2012</a:t>
             </a:fld>
             <a:endParaRPr lang="ru-RU"/>
           </a:p>
@@ -3309,7 +3314,7 @@
             <a:fld id="{85AB3C28-C807-466B-82BB-4EBE6B4083B6}" type="datetime1">
               <a:rPr lang="ru-RU" smtClean="0"/>
               <a:pPr/>
-              <a:t>30.05.2012</a:t>
+              <a:t>31.05.2012</a:t>
             </a:fld>
             <a:endParaRPr lang="ru-RU"/>
           </a:p>
@@ -3511,7 +3516,7 @@
             <a:fld id="{22A2C5FB-1910-420D-990B-35B474D83D19}" type="datetime1">
               <a:rPr lang="ru-RU" smtClean="0"/>
               <a:pPr/>
-              <a:t>30.05.2012</a:t>
+              <a:t>31.05.2012</a:t>
             </a:fld>
             <a:endParaRPr lang="ru-RU"/>
           </a:p>
@@ -4622,7 +4627,7 @@
             <a:fld id="{AAE38AD9-EAA4-4E7E-B4CD-EC1C807156F4}" type="datetime1">
               <a:rPr lang="ru-RU" smtClean="0"/>
               <a:pPr/>
-              <a:t>30.05.2012</a:t>
+              <a:t>31.05.2012</a:t>
             </a:fld>
             <a:endParaRPr lang="ru-RU"/>
           </a:p>
@@ -5067,11 +5072,7 @@
           <a:p>
             <a:r>
               <a:rPr lang="ru-RU" sz="3600" cap="none" dirty="0" smtClean="0"/>
-              <a:t>Виртуальный полигон для </a:t>
-            </a:r>
-            <a:r>
-              <a:rPr lang="ru-RU" sz="3600" cap="none" dirty="0" smtClean="0"/>
-              <a:t>исследовани</a:t>
+              <a:t>Виртуальный полигон для исследовани</a:t>
             </a:r>
             <a:r>
               <a:rPr lang="ru-RU" sz="3600" dirty="0" smtClean="0"/>
@@ -5079,11 +5080,7 @@
             </a:r>
             <a:r>
               <a:rPr lang="ru-RU" sz="3600" cap="none" dirty="0" smtClean="0"/>
-              <a:t> </a:t>
-            </a:r>
-            <a:r>
-              <a:rPr lang="ru-RU" sz="3600" cap="none" dirty="0" smtClean="0"/>
-              <a:t>динамики </a:t>
+              <a:t> динамики </a:t>
             </a:r>
             <a:r>
               <a:rPr lang="ru-RU" sz="3600" cap="none" dirty="0" err="1" smtClean="0"/>
@@ -7554,7 +7551,7 @@
     </p:spTree>
     <p:extLst>
       <p:ext uri="{BB962C8B-B14F-4D97-AF65-F5344CB8AC3E}">
-        <p14:creationId xmlns="" xmlns:p14="http://schemas.microsoft.com/office/powerpoint/2010/main" val="1550165570"/>
+        <p14:creationId xmlns:p14="http://schemas.microsoft.com/office/powerpoint/2010/main" val="1550165570"/>
       </p:ext>
     </p:extLst>
   </p:cSld>
@@ -7722,15 +7719,7 @@
           <a:p>
             <a:r>
               <a:rPr lang="ru-RU" sz="1800" dirty="0" smtClean="0"/>
-              <a:t>Решение уравнения </a:t>
-            </a:r>
-            <a:r>
-              <a:rPr lang="ru-RU" sz="1800" dirty="0" err="1" smtClean="0"/>
-              <a:t>Навье-Стокса</a:t>
-            </a:r>
-            <a:r>
-              <a:rPr lang="ru-RU" sz="1800" dirty="0" smtClean="0"/>
-              <a:t> – </a:t>
+              <a:t>Решение уравнения Навье-Стокса – </a:t>
             </a:r>
             <a:r>
               <a:rPr lang="ru-RU" sz="1800" dirty="0" smtClean="0">
@@ -7738,8 +7727,29 @@
                   <a:srgbClr val="80FF80"/>
                 </a:solidFill>
               </a:rPr>
-              <a:t>расчет вихрей создаваемых пропеллерами</a:t>
-            </a:r>
+              <a:t>расчет вихрей </a:t>
+            </a:r>
+            <a:r>
+              <a:rPr lang="ru-RU" sz="1800" smtClean="0">
+                <a:solidFill>
+                  <a:srgbClr val="80FF80"/>
+                </a:solidFill>
+              </a:rPr>
+              <a:t>создаваемых </a:t>
+            </a:r>
+            <a:r>
+              <a:rPr lang="ru-RU" sz="1800" smtClean="0">
+                <a:solidFill>
+                  <a:srgbClr val="80FF80"/>
+                </a:solidFill>
+              </a:rPr>
+              <a:t>роторами</a:t>
+            </a:r>
+            <a:endParaRPr lang="ru-RU" sz="1800" dirty="0" smtClean="0">
+              <a:solidFill>
+                <a:srgbClr val="80FF80"/>
+              </a:solidFill>
+            </a:endParaRPr>
           </a:p>
           <a:p>
             <a:r>
@@ -7876,7 +7886,7 @@
     </p:spTree>
     <p:extLst>
       <p:ext uri="{BB962C8B-B14F-4D97-AF65-F5344CB8AC3E}">
-        <p14:creationId xmlns="" xmlns:p14="http://schemas.microsoft.com/office/powerpoint/2010/main" val="3609528446"/>
+        <p14:creationId xmlns:p14="http://schemas.microsoft.com/office/powerpoint/2010/main" val="3609528446"/>
       </p:ext>
     </p:extLst>
   </p:cSld>

--- a/trunk/Docs/alazar_thesis/presentation.pptx
+++ b/trunk/Docs/alazar_thesis/presentation.pptx
@@ -9,8 +9,8 @@
   </p:notesMasterIdLst>
   <p:sldIdLst>
     <p:sldId id="270" r:id="rId2"/>
-    <p:sldId id="286" r:id="rId3"/>
-    <p:sldId id="262" r:id="rId4"/>
+    <p:sldId id="262" r:id="rId3"/>
+    <p:sldId id="286" r:id="rId4"/>
     <p:sldId id="274" r:id="rId5"/>
     <p:sldId id="272" r:id="rId6"/>
     <p:sldId id="275" r:id="rId7"/>
@@ -205,7 +205,7 @@
             <a:fld id="{D5F21F59-A2F3-40A5-BC70-CC5334A638ED}" type="datetimeFigureOut">
               <a:rPr lang="ru-RU" smtClean="0"/>
               <a:pPr/>
-              <a:t>31.05.2012</a:t>
+              <a:t>07.06.2012</a:t>
             </a:fld>
             <a:endParaRPr lang="ru-RU"/>
           </a:p>
@@ -376,7 +376,7 @@
     </p:spTree>
     <p:extLst>
       <p:ext uri="{BB962C8B-B14F-4D97-AF65-F5344CB8AC3E}">
-        <p14:creationId xmlns:p14="http://schemas.microsoft.com/office/powerpoint/2010/main" val="2705718248"/>
+        <p14:creationId xmlns="" xmlns:p14="http://schemas.microsoft.com/office/powerpoint/2010/main" val="2705718248"/>
       </p:ext>
     </p:extLst>
   </p:cSld>
@@ -1184,7 +1184,7 @@
             <a:fld id="{E2B41AE0-3280-4107-AAF9-23CCED5B6FE9}" type="datetime1">
               <a:rPr lang="ru-RU" smtClean="0"/>
               <a:pPr/>
-              <a:t>31.05.2012</a:t>
+              <a:t>07.06.2012</a:t>
             </a:fld>
             <a:endParaRPr lang="ru-RU"/>
           </a:p>
@@ -1382,7 +1382,7 @@
             <a:fld id="{CCCAC9CA-0366-4239-9AE2-8D59776CA729}" type="datetime1">
               <a:rPr lang="ru-RU" smtClean="0"/>
               <a:pPr/>
-              <a:t>31.05.2012</a:t>
+              <a:t>07.06.2012</a:t>
             </a:fld>
             <a:endParaRPr lang="ru-RU"/>
           </a:p>
@@ -1569,7 +1569,7 @@
             <a:fld id="{F7958F22-B389-4E3E-A84A-528307C4FDAC}" type="datetime1">
               <a:rPr lang="ru-RU" smtClean="0"/>
               <a:pPr/>
-              <a:t>31.05.2012</a:t>
+              <a:t>07.06.2012</a:t>
             </a:fld>
             <a:endParaRPr lang="ru-RU"/>
           </a:p>
@@ -1721,7 +1721,7 @@
             <a:fld id="{D58B9A2A-4767-4501-9E7A-4E4CB04CF059}" type="datetime1">
               <a:rPr lang="ru-RU" smtClean="0"/>
               <a:pPr/>
-              <a:t>31.05.2012</a:t>
+              <a:t>07.06.2012</a:t>
             </a:fld>
             <a:endParaRPr lang="ru-RU"/>
           </a:p>
@@ -1973,7 +1973,7 @@
             <a:fld id="{775B9AB2-84D9-4CC2-9EC0-A59D029FBE3E}" type="datetime1">
               <a:rPr lang="ru-RU" smtClean="0"/>
               <a:pPr/>
-              <a:t>31.05.2012</a:t>
+              <a:t>07.06.2012</a:t>
             </a:fld>
             <a:endParaRPr lang="ru-RU"/>
           </a:p>
@@ -2379,7 +2379,7 @@
             <a:fld id="{96598D1C-CF83-4A57-B5FA-160DA451E48F}" type="datetime1">
               <a:rPr lang="ru-RU" smtClean="0"/>
               <a:pPr/>
-              <a:t>31.05.2012</a:t>
+              <a:t>07.06.2012</a:t>
             </a:fld>
             <a:endParaRPr lang="ru-RU"/>
           </a:p>
@@ -2822,7 +2822,7 @@
             <a:fld id="{24FB2AA9-5C18-4C60-A838-A24BE9549475}" type="datetime1">
               <a:rPr lang="ru-RU" smtClean="0"/>
               <a:pPr/>
-              <a:t>31.05.2012</a:t>
+              <a:t>07.06.2012</a:t>
             </a:fld>
             <a:endParaRPr lang="ru-RU"/>
           </a:p>
@@ -2920,7 +2920,7 @@
             <a:fld id="{B67074EE-FDF4-4D72-A4BF-58B3BC26637B}" type="datetime1">
               <a:rPr lang="ru-RU" smtClean="0"/>
               <a:pPr/>
-              <a:t>31.05.2012</a:t>
+              <a:t>07.06.2012</a:t>
             </a:fld>
             <a:endParaRPr lang="ru-RU"/>
           </a:p>
@@ -3043,7 +3043,7 @@
             <a:fld id="{97E96698-1C36-4A1A-B25F-A551C7360DBE}" type="datetime1">
               <a:rPr lang="ru-RU" smtClean="0"/>
               <a:pPr/>
-              <a:t>31.05.2012</a:t>
+              <a:t>07.06.2012</a:t>
             </a:fld>
             <a:endParaRPr lang="ru-RU"/>
           </a:p>
@@ -3314,7 +3314,7 @@
             <a:fld id="{85AB3C28-C807-466B-82BB-4EBE6B4083B6}" type="datetime1">
               <a:rPr lang="ru-RU" smtClean="0"/>
               <a:pPr/>
-              <a:t>31.05.2012</a:t>
+              <a:t>07.06.2012</a:t>
             </a:fld>
             <a:endParaRPr lang="ru-RU"/>
           </a:p>
@@ -3516,7 +3516,7 @@
             <a:fld id="{22A2C5FB-1910-420D-990B-35B474D83D19}" type="datetime1">
               <a:rPr lang="ru-RU" smtClean="0"/>
               <a:pPr/>
-              <a:t>31.05.2012</a:t>
+              <a:t>07.06.2012</a:t>
             </a:fld>
             <a:endParaRPr lang="ru-RU"/>
           </a:p>
@@ -4627,7 +4627,7 @@
             <a:fld id="{AAE38AD9-EAA4-4E7E-B4CD-EC1C807156F4}" type="datetime1">
               <a:rPr lang="ru-RU" smtClean="0"/>
               <a:pPr/>
-              <a:t>31.05.2012</a:t>
+              <a:t>07.06.2012</a:t>
             </a:fld>
             <a:endParaRPr lang="ru-RU"/>
           </a:p>
@@ -6004,58 +6004,106 @@
               <a:alpha val="69804"/>
             </a:schemeClr>
           </a:solidFill>
-          <a:ln>
-            <a:solidFill>
-              <a:srgbClr val="000000">
-                <a:alpha val="69804"/>
-              </a:srgbClr>
-            </a:solidFill>
-          </a:ln>
         </p:spPr>
         <p:txBody>
           <a:bodyPr>
-            <a:normAutofit fontScale="85000" lnSpcReduction="10000"/>
+            <a:normAutofit fontScale="85000" lnSpcReduction="20000"/>
           </a:bodyPr>
           <a:lstStyle/>
           <a:p>
             <a:r>
-              <a:rPr lang="ru-RU" sz="2800" dirty="0" smtClean="0"/>
-              <a:t>Наличие реального объекта и/или объектов в должном количестве</a:t>
-            </a:r>
-          </a:p>
-          <a:p>
-            <a:endParaRPr lang="ru-RU" sz="2800" dirty="0" smtClean="0"/>
-          </a:p>
-          <a:p>
-            <a:r>
-              <a:rPr lang="ru-RU" sz="2800" dirty="0" smtClean="0"/>
-              <a:t>Износ оборудования </a:t>
-            </a:r>
-          </a:p>
-          <a:p>
-            <a:endParaRPr lang="ru-RU" sz="2800" dirty="0" smtClean="0"/>
-          </a:p>
-          <a:p>
-            <a:r>
-              <a:rPr lang="ru-RU" sz="2800" dirty="0" smtClean="0"/>
-              <a:t>Стоимость ошибки на реальном объекте может быть весьма высока</a:t>
-            </a:r>
-          </a:p>
-          <a:p>
-            <a:pPr lvl="1">
+              <a:rPr lang="ru-RU" dirty="0" smtClean="0"/>
+              <a:t>Качественное воспроизведение аэродинамических эффектов взаимодействия групп БПЛА и окружения</a:t>
+            </a:r>
+          </a:p>
+          <a:p>
+            <a:r>
+              <a:rPr lang="ru-RU" dirty="0" smtClean="0"/>
+              <a:t>Моделирование инерциальных, барометрических и магнитометрических датчиков</a:t>
+            </a:r>
+          </a:p>
+          <a:p>
+            <a:r>
+              <a:rPr lang="ru-RU" dirty="0" smtClean="0"/>
+              <a:t>Синтез изображений формируемых камерами БПЛА</a:t>
+            </a:r>
+          </a:p>
+          <a:p>
+            <a:r>
+              <a:rPr lang="ru-RU" dirty="0" smtClean="0"/>
+              <a:t>Варьирование параметров БПЛА с целью поиска оптимальной конфигурации:</a:t>
+            </a:r>
+          </a:p>
+          <a:p>
+            <a:pPr lvl="1"/>
+            <a:r>
+              <a:rPr lang="ru-RU" dirty="0" smtClean="0"/>
+              <a:t>Длина плеча</a:t>
+            </a:r>
+          </a:p>
+          <a:p>
+            <a:pPr lvl="1"/>
+            <a:r>
+              <a:rPr lang="ru-RU" dirty="0" smtClean="0"/>
+              <a:t>Двигатели + </a:t>
+            </a:r>
+            <a:r>
+              <a:rPr lang="en-US" dirty="0" smtClean="0"/>
+              <a:t>ESC</a:t>
+            </a:r>
+            <a:r>
+              <a:rPr lang="ru-RU" dirty="0" smtClean="0"/>
+              <a:t> (по таблицам)</a:t>
+            </a:r>
+            <a:endParaRPr lang="en-US" dirty="0" smtClean="0"/>
+          </a:p>
+          <a:p>
+            <a:pPr lvl="1"/>
+            <a:r>
+              <a:rPr lang="ru-RU" dirty="0" smtClean="0"/>
+              <a:t>Пропеллеры и т.д. (по таблицам + опт. связь </a:t>
+            </a:r>
+            <a:r>
+              <a:rPr lang="en-US" dirty="0" smtClean="0"/>
+              <a:t>c</a:t>
+            </a:r>
+            <a:r>
+              <a:rPr lang="ru-RU" dirty="0" smtClean="0"/>
+              <a:t> пакетами </a:t>
+            </a:r>
+            <a:r>
+              <a:rPr lang="en-US" dirty="0" smtClean="0"/>
+              <a:t>CFD</a:t>
+            </a:r>
+            <a:r>
+              <a:rPr lang="ru-RU" dirty="0" smtClean="0"/>
+              <a:t>)</a:t>
+            </a:r>
+            <a:endParaRPr lang="en-US" dirty="0" smtClean="0"/>
+          </a:p>
+          <a:p>
+            <a:r>
+              <a:rPr lang="ru-RU" dirty="0" smtClean="0"/>
+              <a:t>Выбор окружения для моделирования</a:t>
+            </a:r>
+          </a:p>
+          <a:p>
+            <a:r>
+              <a:rPr lang="ru-RU" dirty="0" smtClean="0"/>
+              <a:t>Сопряжение с реальным объектом БПЛА</a:t>
+            </a:r>
+          </a:p>
+          <a:p>
+            <a:r>
+              <a:rPr lang="ru-RU" dirty="0" smtClean="0"/>
+              <a:t>Расчет в реальном масштабе времени</a:t>
+            </a:r>
+          </a:p>
+          <a:p>
+            <a:pPr>
               <a:buNone/>
             </a:pPr>
-            <a:endParaRPr lang="ru-RU" sz="2400" dirty="0" smtClean="0"/>
-          </a:p>
-          <a:p>
-            <a:r>
-              <a:rPr lang="ru-RU" sz="2800" dirty="0" smtClean="0"/>
-              <a:t>Эксперимент на реальном объекте требует времени на подготовку  и развертывание эксперимента, а также на приведение объектов в исходное состояние на каждой итерации</a:t>
-            </a:r>
-          </a:p>
-          <a:p>
-            <a:pPr lvl="1"/>
-            <a:endParaRPr lang="ru-RU" sz="2400" dirty="0" smtClean="0"/>
+            <a:endParaRPr lang="ru-RU" dirty="0"/>
           </a:p>
         </p:txBody>
       </p:sp>
@@ -6079,7 +6127,7 @@
               <a:pPr/>
               <a:t>2</a:t>
             </a:fld>
-            <a:endParaRPr lang="ru-RU"/>
+            <a:endParaRPr lang="ru-RU" dirty="0"/>
           </a:p>
         </p:txBody>
       </p:sp>
@@ -6093,24 +6141,39 @@
             <p:ph type="title"/>
           </p:nvPr>
         </p:nvSpPr>
-        <p:spPr/>
-        <p:txBody>
-          <a:bodyPr/>
+        <p:spPr>
+          <a:xfrm>
+            <a:off x="179512" y="274638"/>
+            <a:ext cx="8856984" cy="1143000"/>
+          </a:xfrm>
+        </p:spPr>
+        <p:txBody>
+          <a:bodyPr>
+            <a:noAutofit/>
+          </a:bodyPr>
           <a:lstStyle/>
           <a:p>
             <a:r>
-              <a:rPr lang="ru-RU" dirty="0" smtClean="0"/>
-              <a:t>Мотивация</a:t>
-            </a:r>
-            <a:r>
-              <a:rPr lang="en-US" dirty="0" smtClean="0"/>
+              <a:rPr lang="ru-RU" sz="3200" dirty="0" smtClean="0"/>
+              <a:t>Особенности постановки задачи ВП</a:t>
+            </a:r>
+            <a:r>
+              <a:rPr lang="en-US" sz="3200" dirty="0" smtClean="0"/>
               <a:t> </a:t>
             </a:r>
             <a:r>
-              <a:rPr lang="ru-RU" dirty="0" smtClean="0"/>
-              <a:t>создания ВП</a:t>
-            </a:r>
-            <a:endParaRPr lang="ru-RU" dirty="0"/>
+              <a:rPr lang="en-US" sz="3200" dirty="0" err="1" smtClean="0"/>
+              <a:t>QuadroX</a:t>
+            </a:r>
+            <a:r>
+              <a:rPr lang="en-US" sz="3200" dirty="0" smtClean="0"/>
+              <a:t>-DS</a:t>
+            </a:r>
+            <a:r>
+              <a:rPr lang="ru-RU" sz="3200" dirty="0" smtClean="0"/>
+              <a:t> </a:t>
+            </a:r>
+            <a:endParaRPr lang="ru-RU" sz="3200" dirty="0"/>
           </a:p>
         </p:txBody>
       </p:sp>
@@ -6166,106 +6229,58 @@
               <a:alpha val="69804"/>
             </a:schemeClr>
           </a:solidFill>
+          <a:ln>
+            <a:solidFill>
+              <a:srgbClr val="000000">
+                <a:alpha val="69804"/>
+              </a:srgbClr>
+            </a:solidFill>
+          </a:ln>
         </p:spPr>
         <p:txBody>
           <a:bodyPr>
-            <a:normAutofit fontScale="85000" lnSpcReduction="20000"/>
+            <a:normAutofit fontScale="85000" lnSpcReduction="10000"/>
           </a:bodyPr>
           <a:lstStyle/>
           <a:p>
             <a:r>
-              <a:rPr lang="ru-RU" dirty="0" smtClean="0"/>
-              <a:t>Качественное воспроизведение аэродинамических эффектов взаимодействия групп БПЛА и окружения</a:t>
-            </a:r>
-          </a:p>
-          <a:p>
-            <a:r>
-              <a:rPr lang="ru-RU" dirty="0" smtClean="0"/>
-              <a:t>Моделирование инерциальных, барометрических и магнитометрических датчиков</a:t>
-            </a:r>
-          </a:p>
-          <a:p>
-            <a:r>
-              <a:rPr lang="ru-RU" dirty="0" smtClean="0"/>
-              <a:t>Синтез изображений формируемых камерами БПЛА</a:t>
-            </a:r>
-          </a:p>
-          <a:p>
-            <a:r>
-              <a:rPr lang="ru-RU" dirty="0" smtClean="0"/>
-              <a:t>Варьирование параметров БПЛА с целью поиска оптимальной конфигурации:</a:t>
-            </a:r>
-          </a:p>
-          <a:p>
-            <a:pPr lvl="1"/>
-            <a:r>
-              <a:rPr lang="ru-RU" dirty="0" smtClean="0"/>
-              <a:t>Длина плеча</a:t>
-            </a:r>
-          </a:p>
-          <a:p>
-            <a:pPr lvl="1"/>
-            <a:r>
-              <a:rPr lang="ru-RU" dirty="0" smtClean="0"/>
-              <a:t>Двигатели + </a:t>
-            </a:r>
-            <a:r>
-              <a:rPr lang="en-US" dirty="0" smtClean="0"/>
-              <a:t>ESC</a:t>
-            </a:r>
-            <a:r>
-              <a:rPr lang="ru-RU" dirty="0" smtClean="0"/>
-              <a:t> (по таблицам)</a:t>
-            </a:r>
-            <a:endParaRPr lang="en-US" dirty="0" smtClean="0"/>
-          </a:p>
-          <a:p>
-            <a:pPr lvl="1"/>
-            <a:r>
-              <a:rPr lang="ru-RU" dirty="0" smtClean="0"/>
-              <a:t>Пропеллеры и т.д. (по таблицам + опт. связь </a:t>
-            </a:r>
-            <a:r>
-              <a:rPr lang="en-US" dirty="0" smtClean="0"/>
-              <a:t>c</a:t>
-            </a:r>
-            <a:r>
-              <a:rPr lang="ru-RU" dirty="0" smtClean="0"/>
-              <a:t> пакетами </a:t>
-            </a:r>
-            <a:r>
-              <a:rPr lang="en-US" dirty="0" smtClean="0"/>
-              <a:t>CFD</a:t>
-            </a:r>
-            <a:r>
-              <a:rPr lang="ru-RU" dirty="0" smtClean="0"/>
-              <a:t>)</a:t>
-            </a:r>
-            <a:endParaRPr lang="en-US" dirty="0" smtClean="0"/>
-          </a:p>
-          <a:p>
-            <a:r>
-              <a:rPr lang="ru-RU" dirty="0" smtClean="0"/>
-              <a:t>Выбор окружения для моделирования</a:t>
-            </a:r>
-          </a:p>
-          <a:p>
-            <a:r>
-              <a:rPr lang="ru-RU" dirty="0" smtClean="0"/>
-              <a:t>Сопряжение с реальным объектом БПЛА</a:t>
-            </a:r>
-          </a:p>
-          <a:p>
-            <a:r>
-              <a:rPr lang="ru-RU" dirty="0" smtClean="0"/>
-              <a:t>Расчет в реальном масштабе времени</a:t>
-            </a:r>
-          </a:p>
-          <a:p>
-            <a:pPr>
+              <a:rPr lang="ru-RU" sz="2800" dirty="0" smtClean="0"/>
+              <a:t>Наличие реального объекта и/или объектов в должном количестве</a:t>
+            </a:r>
+          </a:p>
+          <a:p>
+            <a:endParaRPr lang="ru-RU" sz="2800" dirty="0" smtClean="0"/>
+          </a:p>
+          <a:p>
+            <a:r>
+              <a:rPr lang="ru-RU" sz="2800" dirty="0" smtClean="0"/>
+              <a:t>Износ оборудования </a:t>
+            </a:r>
+          </a:p>
+          <a:p>
+            <a:endParaRPr lang="ru-RU" sz="2800" dirty="0" smtClean="0"/>
+          </a:p>
+          <a:p>
+            <a:r>
+              <a:rPr lang="ru-RU" sz="2800" dirty="0" smtClean="0"/>
+              <a:t>Стоимость ошибки на реальном объекте может быть весьма высока</a:t>
+            </a:r>
+          </a:p>
+          <a:p>
+            <a:pPr lvl="1">
               <a:buNone/>
             </a:pPr>
-            <a:endParaRPr lang="ru-RU" dirty="0"/>
+            <a:endParaRPr lang="ru-RU" sz="2400" dirty="0" smtClean="0"/>
+          </a:p>
+          <a:p>
+            <a:r>
+              <a:rPr lang="ru-RU" sz="2800" dirty="0" smtClean="0"/>
+              <a:t>Эксперимент на реальном объекте требует времени на подготовку  и развертывание эксперимента, а также на приведение объектов в исходное состояние на каждой итерации</a:t>
+            </a:r>
+          </a:p>
+          <a:p>
+            <a:pPr lvl="1"/>
+            <a:endParaRPr lang="ru-RU" sz="2400" dirty="0" smtClean="0"/>
           </a:p>
         </p:txBody>
       </p:sp>
@@ -6289,53 +6304,38 @@
               <a:pPr/>
               <a:t>3</a:t>
             </a:fld>
+            <a:endParaRPr lang="ru-RU"/>
+          </a:p>
+        </p:txBody>
+      </p:sp>
+      <p:sp>
+        <p:nvSpPr>
+          <p:cNvPr id="2" name="Заголовок 1"/>
+          <p:cNvSpPr>
+            <a:spLocks noGrp="1"/>
+          </p:cNvSpPr>
+          <p:nvPr>
+            <p:ph type="title"/>
+          </p:nvPr>
+        </p:nvSpPr>
+        <p:spPr/>
+        <p:txBody>
+          <a:bodyPr/>
+          <a:lstStyle/>
+          <a:p>
+            <a:r>
+              <a:rPr lang="ru-RU" dirty="0" smtClean="0"/>
+              <a:t>Мотивация</a:t>
+            </a:r>
+            <a:r>
+              <a:rPr lang="en-US" dirty="0" smtClean="0"/>
+              <a:t> </a:t>
+            </a:r>
+            <a:r>
+              <a:rPr lang="ru-RU" dirty="0" smtClean="0"/>
+              <a:t>создания ВП</a:t>
+            </a:r>
             <a:endParaRPr lang="ru-RU" dirty="0"/>
-          </a:p>
-        </p:txBody>
-      </p:sp>
-      <p:sp>
-        <p:nvSpPr>
-          <p:cNvPr id="2" name="Заголовок 1"/>
-          <p:cNvSpPr>
-            <a:spLocks noGrp="1"/>
-          </p:cNvSpPr>
-          <p:nvPr>
-            <p:ph type="title"/>
-          </p:nvPr>
-        </p:nvSpPr>
-        <p:spPr>
-          <a:xfrm>
-            <a:off x="179512" y="274638"/>
-            <a:ext cx="8856984" cy="1143000"/>
-          </a:xfrm>
-        </p:spPr>
-        <p:txBody>
-          <a:bodyPr>
-            <a:noAutofit/>
-          </a:bodyPr>
-          <a:lstStyle/>
-          <a:p>
-            <a:r>
-              <a:rPr lang="ru-RU" sz="3200" dirty="0" smtClean="0"/>
-              <a:t>Особенности постановки задачи ВП</a:t>
-            </a:r>
-            <a:r>
-              <a:rPr lang="en-US" sz="3200" dirty="0" smtClean="0"/>
-              <a:t> </a:t>
-            </a:r>
-            <a:r>
-              <a:rPr lang="en-US" sz="3200" dirty="0" err="1" smtClean="0"/>
-              <a:t>QuadroX</a:t>
-            </a:r>
-            <a:r>
-              <a:rPr lang="en-US" sz="3200" dirty="0" smtClean="0"/>
-              <a:t>-DS</a:t>
-            </a:r>
-            <a:r>
-              <a:rPr lang="ru-RU" sz="3200" dirty="0" smtClean="0"/>
-              <a:t> </a:t>
-            </a:r>
-            <a:endParaRPr lang="ru-RU" sz="3200" dirty="0"/>
           </a:p>
         </p:txBody>
       </p:sp>
@@ -7551,7 +7551,7 @@
     </p:spTree>
     <p:extLst>
       <p:ext uri="{BB962C8B-B14F-4D97-AF65-F5344CB8AC3E}">
-        <p14:creationId xmlns:p14="http://schemas.microsoft.com/office/powerpoint/2010/main" val="1550165570"/>
+        <p14:creationId xmlns="" xmlns:p14="http://schemas.microsoft.com/office/powerpoint/2010/main" val="1550165570"/>
       </p:ext>
     </p:extLst>
   </p:cSld>
@@ -7735,15 +7735,7 @@
                   <a:srgbClr val="80FF80"/>
                 </a:solidFill>
               </a:rPr>
-              <a:t>создаваемых </a:t>
-            </a:r>
-            <a:r>
-              <a:rPr lang="ru-RU" sz="1800" smtClean="0">
-                <a:solidFill>
-                  <a:srgbClr val="80FF80"/>
-                </a:solidFill>
-              </a:rPr>
-              <a:t>роторами</a:t>
+              <a:t>создаваемых роторами</a:t>
             </a:r>
             <a:endParaRPr lang="ru-RU" sz="1800" dirty="0" smtClean="0">
               <a:solidFill>
@@ -7852,7 +7844,7 @@
       </p:pic>
       <p:pic>
         <p:nvPicPr>
-          <p:cNvPr id="15" name="CFDTest 2012-05-10 21-18-26-80.avi">
+          <p:cNvPr id="9" name="CFDTest 2012-05-10 21-18-26-80.avi">
             <a:hlinkClick r:id="" action="ppaction://media"/>
           </p:cNvPr>
           <p:cNvPicPr>
@@ -7870,23 +7862,18 @@
         </p:blipFill>
         <p:spPr>
           <a:xfrm>
-            <a:off x="4644008" y="3424386"/>
-            <a:ext cx="4038600" cy="3028950"/>
+            <a:off x="4644008" y="3429000"/>
+            <a:ext cx="4128459" cy="3096344"/>
           </a:xfrm>
           <a:prstGeom prst="rect">
             <a:avLst/>
           </a:prstGeom>
-          <a:ln>
-            <a:solidFill>
-              <a:schemeClr val="bg1"/>
-            </a:solidFill>
-          </a:ln>
         </p:spPr>
       </p:pic>
     </p:spTree>
     <p:extLst>
       <p:ext uri="{BB962C8B-B14F-4D97-AF65-F5344CB8AC3E}">
-        <p14:creationId xmlns:p14="http://schemas.microsoft.com/office/powerpoint/2010/main" val="3609528446"/>
+        <p14:creationId xmlns="" xmlns:p14="http://schemas.microsoft.com/office/powerpoint/2010/main" val="3609528446"/>
       </p:ext>
     </p:extLst>
   </p:cSld>
@@ -7926,7 +7913,7 @@
                                       <p:cBhvr>
                                         <p:cTn id="6" dur="23467" fill="hold"/>
                                         <p:tgtEl>
-                                          <p:spTgt spid="15"/>
+                                          <p:spTgt spid="9"/>
                                         </p:tgtEl>
                                       </p:cBhvr>
                                     </p:cmd>
@@ -7956,12 +7943,36 @@
                 </p:cond>
               </p:nextCondLst>
             </p:seq>
+            <p:video>
+              <p:cMediaNode>
+                <p:cTn id="7" fill="hold" display="0">
+                  <p:stCondLst>
+                    <p:cond delay="indefinite"/>
+                  </p:stCondLst>
+                  <p:endCondLst>
+                    <p:cond evt="onNext" delay="0">
+                      <p:tgtEl>
+                        <p:sldTgt/>
+                      </p:tgtEl>
+                    </p:cond>
+                    <p:cond evt="onPrev" delay="0">
+                      <p:tgtEl>
+                        <p:sldTgt/>
+                      </p:tgtEl>
+                    </p:cond>
+                  </p:endCondLst>
+                </p:cTn>
+                <p:tgtEl>
+                  <p:spTgt spid="9"/>
+                </p:tgtEl>
+              </p:cMediaNode>
+            </p:video>
             <p:seq concurrent="1" nextAc="seek">
-              <p:cTn id="7" restart="whenNotActive" fill="hold" evtFilter="cancelBubble" nodeType="interactiveSeq">
+              <p:cTn id="8" restart="whenNotActive" fill="hold" evtFilter="cancelBubble" nodeType="interactiveSeq">
                 <p:stCondLst>
                   <p:cond evt="onClick" delay="0">
                     <p:tgtEl>
-                      <p:spTgt spid="15"/>
+                      <p:spTgt spid="9"/>
                     </p:tgtEl>
                   </p:cond>
                 </p:stCondLst>
@@ -7970,28 +7981,28 @@
                 </p:endSync>
                 <p:childTnLst>
                   <p:par>
-                    <p:cTn id="8" fill="hold">
+                    <p:cTn id="9" fill="hold">
                       <p:stCondLst>
                         <p:cond delay="0"/>
                       </p:stCondLst>
                       <p:childTnLst>
                         <p:par>
-                          <p:cTn id="9" fill="hold">
+                          <p:cTn id="10" fill="hold">
                             <p:stCondLst>
                               <p:cond delay="0"/>
                             </p:stCondLst>
                             <p:childTnLst>
                               <p:par>
-                                <p:cTn id="10" presetID="2" presetClass="mediacall" presetSubtype="0" fill="hold" nodeType="clickEffect">
+                                <p:cTn id="11" presetID="2" presetClass="mediacall" presetSubtype="0" fill="hold" nodeType="clickEffect">
                                   <p:stCondLst>
                                     <p:cond delay="0"/>
                                   </p:stCondLst>
                                   <p:childTnLst>
                                     <p:cmd type="call" cmd="togglePause">
                                       <p:cBhvr>
-                                        <p:cTn id="11" dur="1" fill="hold"/>
+                                        <p:cTn id="12" dur="1" fill="hold"/>
                                         <p:tgtEl>
-                                          <p:spTgt spid="15"/>
+                                          <p:spTgt spid="9"/>
                                         </p:tgtEl>
                                       </p:cBhvr>
                                     </p:cmd>
@@ -8009,35 +8020,11 @@
               <p:nextCondLst>
                 <p:cond evt="onClick" delay="0">
                   <p:tgtEl>
-                    <p:spTgt spid="15"/>
+                    <p:spTgt spid="9"/>
                   </p:tgtEl>
                 </p:cond>
               </p:nextCondLst>
             </p:seq>
-            <p:video>
-              <p:cMediaNode>
-                <p:cTn id="12" repeatCount="indefinite" fill="hold" display="0">
-                  <p:stCondLst>
-                    <p:cond delay="indefinite"/>
-                  </p:stCondLst>
-                  <p:endCondLst>
-                    <p:cond evt="onNext" delay="0">
-                      <p:tgtEl>
-                        <p:sldTgt/>
-                      </p:tgtEl>
-                    </p:cond>
-                    <p:cond evt="onPrev" delay="0">
-                      <p:tgtEl>
-                        <p:sldTgt/>
-                      </p:tgtEl>
-                    </p:cond>
-                  </p:endCondLst>
-                </p:cTn>
-                <p:tgtEl>
-                  <p:spTgt spid="15"/>
-                </p:tgtEl>
-              </p:cMediaNode>
-            </p:video>
           </p:childTnLst>
         </p:cTn>
       </p:par>
@@ -8965,29 +8952,6 @@
           </a:p>
         </p:txBody>
       </p:sp>
-      <p:pic>
-        <p:nvPicPr>
-          <p:cNvPr id="5" name="Содержимое 4" descr="tracker-01-lrg.jpg"/>
-          <p:cNvPicPr>
-            <a:picLocks noGrp="1" noChangeAspect="1"/>
-          </p:cNvPicPr>
-          <p:nvPr>
-            <p:ph sz="half" idx="2"/>
-          </p:nvPr>
-        </p:nvPicPr>
-        <p:blipFill>
-          <a:blip r:embed="rId2" cstate="print"/>
-          <a:stretch>
-            <a:fillRect/>
-          </a:stretch>
-        </p:blipFill>
-        <p:spPr>
-          <a:xfrm>
-            <a:off x="4788024" y="3933056"/>
-            <a:ext cx="4038600" cy="2451206"/>
-          </a:xfrm>
-        </p:spPr>
-      </p:pic>
       <p:sp>
         <p:nvSpPr>
           <p:cNvPr id="6" name="Номер слайда 5"/>
@@ -9044,7 +9008,7 @@
           <p:nvPr/>
         </p:nvPicPr>
         <p:blipFill>
-          <a:blip r:embed="rId3" cstate="print">
+          <a:blip r:embed="rId2" cstate="print">
             <a:clrChange>
               <a:clrFrom>
                 <a:srgbClr val="000000"/>
@@ -9063,7 +9027,7 @@
         </p:blipFill>
         <p:spPr>
           <a:xfrm>
-            <a:off x="5004048" y="1628800"/>
+            <a:off x="5004048" y="1412776"/>
             <a:ext cx="3744416" cy="2160240"/>
           </a:xfrm>
           <a:prstGeom prst="rect">
@@ -9074,6 +9038,32 @@
               <a:alpha val="83000"/>
             </a:srgbClr>
           </a:solidFill>
+        </p:spPr>
+      </p:pic>
+      <p:pic>
+        <p:nvPicPr>
+          <p:cNvPr id="1026" name="Picture 2" descr="C:\Engine\quadro-xds\Docs\alazar_thesis\tracker3.png"/>
+          <p:cNvPicPr>
+            <a:picLocks noChangeAspect="1" noChangeArrowheads="1"/>
+          </p:cNvPicPr>
+          <p:nvPr/>
+        </p:nvPicPr>
+        <p:blipFill>
+          <a:blip r:embed="rId3" cstate="print"/>
+          <a:srcRect/>
+          <a:stretch>
+            <a:fillRect/>
+          </a:stretch>
+        </p:blipFill>
+        <p:spPr bwMode="auto">
+          <a:xfrm>
+            <a:off x="5004048" y="3573016"/>
+            <a:ext cx="3744416" cy="2998458"/>
+          </a:xfrm>
+          <a:prstGeom prst="rect">
+            <a:avLst/>
+          </a:prstGeom>
+          <a:noFill/>
         </p:spPr>
       </p:pic>
     </p:spTree>
